--- a/grafy.pptx
+++ b/grafy.pptx
@@ -4957,12 +4957,16 @@
               <a:t>Радиус: </a:t>
             </a:r>
             <a:r>
-              <a:rPr lang="ru-RU" altLang="en-US" sz="1500" dirty="0">
-                <a:latin typeface="Montserrat" panose="00000500000000000000" pitchFamily="2" charset="0"/>
-                <a:cs typeface="Times New Roman" panose="02020603050405020304" charset="0"/>
-              </a:rPr>
-              <a:t>0</a:t>
-            </a:r>
+              <a:rPr lang="en-US" altLang="en-US" sz="1500" dirty="0">
+                <a:latin typeface="Montserrat" panose="00000500000000000000" pitchFamily="2" charset="0"/>
+                <a:cs typeface="Times New Roman" panose="02020603050405020304" charset="0"/>
+              </a:rPr>
+              <a:t>1</a:t>
+            </a:r>
+            <a:endParaRPr lang="ru-RU" altLang="en-US" sz="1500" dirty="0">
+              <a:latin typeface="Montserrat" panose="00000500000000000000" pitchFamily="2" charset="0"/>
+              <a:cs typeface="Times New Roman" panose="02020603050405020304" charset="0"/>
+            </a:endParaRPr>
           </a:p>
           <a:p>
             <a:r>
@@ -5826,19 +5830,15 @@
                 <a:latin typeface="Montserrat" panose="00000500000000000000" pitchFamily="2" charset="0"/>
                 <a:cs typeface="Times New Roman" panose="02020603050405020304" charset="0"/>
               </a:rPr>
-              <a:t>Радиус: </a:t>
+              <a:t>Радиус:</a:t>
             </a:r>
             <a:r>
               <a:rPr lang="ru-RU" altLang="en-US" sz="1500" dirty="0">
                 <a:latin typeface="Montserrat" panose="00000500000000000000" pitchFamily="2" charset="0"/>
                 <a:cs typeface="Times New Roman" panose="02020603050405020304" charset="0"/>
               </a:rPr>
-              <a:t>0 </a:t>
-            </a:r>
-            <a:endParaRPr lang="en-US" altLang="en-US" sz="1500" dirty="0">
-              <a:latin typeface="Montserrat" panose="00000500000000000000" pitchFamily="2" charset="0"/>
-              <a:cs typeface="Times New Roman" panose="02020603050405020304" charset="0"/>
-            </a:endParaRPr>
+              <a:t> 1</a:t>
+            </a:r>
           </a:p>
           <a:p>
             <a:r>
@@ -5853,12 +5853,8 @@
                 <a:latin typeface="Montserrat" panose="00000500000000000000" pitchFamily="2" charset="0"/>
                 <a:cs typeface="Times New Roman" panose="02020603050405020304" charset="0"/>
               </a:rPr>
-              <a:t>2 </a:t>
-            </a:r>
-            <a:endParaRPr lang="en-US" altLang="en-US" sz="1500" dirty="0">
-              <a:latin typeface="Montserrat" panose="00000500000000000000" pitchFamily="2" charset="0"/>
-              <a:cs typeface="Times New Roman" panose="02020603050405020304" charset="0"/>
-            </a:endParaRPr>
+              <a:t>1</a:t>
+            </a:r>
           </a:p>
           <a:p>
             <a:r>
@@ -5887,7 +5883,7 @@
                 <a:latin typeface="Montserrat" panose="00000500000000000000" pitchFamily="2" charset="0"/>
                 <a:cs typeface="Times New Roman" panose="02020603050405020304" charset="0"/>
               </a:rPr>
-              <a:t>2.0 </a:t>
+              <a:t>1.0</a:t>
             </a:r>
             <a:endParaRPr lang="en-US" altLang="en-US" sz="1500" dirty="0">
               <a:latin typeface="Montserrat" panose="00000500000000000000" pitchFamily="2" charset="0"/>
@@ -6136,12 +6132,8 @@
                 <a:latin typeface="Montserrat" panose="00000500000000000000" pitchFamily="2" charset="0"/>
                 <a:cs typeface="Times New Roman" panose="02020603050405020304" charset="0"/>
               </a:rPr>
-              <a:t>1 </a:t>
-            </a:r>
-            <a:endParaRPr lang="en-US" altLang="en-US" sz="1500" dirty="0">
-              <a:latin typeface="Montserrat" panose="00000500000000000000" pitchFamily="2" charset="0"/>
-              <a:cs typeface="Times New Roman" panose="02020603050405020304" charset="0"/>
-            </a:endParaRPr>
+              <a:t>3</a:t>
+            </a:r>
           </a:p>
           <a:p>
             <a:r>
@@ -6156,12 +6148,8 @@
                 <a:latin typeface="Montserrat" panose="00000500000000000000" pitchFamily="2" charset="0"/>
                 <a:cs typeface="Times New Roman" panose="02020603050405020304" charset="0"/>
               </a:rPr>
-              <a:t>3 </a:t>
-            </a:r>
-            <a:endParaRPr lang="en-US" altLang="en-US" sz="1500" dirty="0">
-              <a:latin typeface="Montserrat" panose="00000500000000000000" pitchFamily="2" charset="0"/>
-              <a:cs typeface="Times New Roman" panose="02020603050405020304" charset="0"/>
-            </a:endParaRPr>
+              <a:t>5</a:t>
+            </a:r>
           </a:p>
           <a:p>
             <a:r>
@@ -6190,12 +6178,8 @@
                 <a:latin typeface="Montserrat" panose="00000500000000000000" pitchFamily="2" charset="0"/>
                 <a:cs typeface="Times New Roman" panose="02020603050405020304" charset="0"/>
               </a:rPr>
-              <a:t>3.0 </a:t>
-            </a:r>
-            <a:endParaRPr lang="en-US" altLang="en-US" sz="1500" dirty="0">
-              <a:latin typeface="Montserrat" panose="00000500000000000000" pitchFamily="2" charset="0"/>
-              <a:cs typeface="Times New Roman" panose="02020603050405020304" charset="0"/>
-            </a:endParaRPr>
+              <a:t>2.0</a:t>
+            </a:r>
           </a:p>
           <a:p>
             <a:endParaRPr lang="en-US" altLang="en-US" sz="1500" dirty="0">
@@ -8364,14 +8348,14 @@
                 <a:latin typeface="Montserrat" panose="00000500000000000000" pitchFamily="2" charset="0"/>
                 <a:cs typeface="Times New Roman" panose="02020603050405020304" charset="0"/>
               </a:rPr>
-              <a:t>Радиус: </a:t>
+              <a:t>Радиус:</a:t>
             </a:r>
             <a:r>
               <a:rPr lang="ru-RU" altLang="en-US" sz="1500" dirty="0">
                 <a:latin typeface="Montserrat" panose="00000500000000000000" pitchFamily="2" charset="0"/>
                 <a:cs typeface="Times New Roman" panose="02020603050405020304" charset="0"/>
               </a:rPr>
-              <a:t>0</a:t>
+              <a:t> 1</a:t>
             </a:r>
           </a:p>
           <a:p>
@@ -8387,7 +8371,7 @@
                 <a:latin typeface="Montserrat" panose="00000500000000000000" pitchFamily="2" charset="0"/>
                 <a:cs typeface="Times New Roman" panose="02020603050405020304" charset="0"/>
               </a:rPr>
-              <a:t>10</a:t>
+              <a:t>15</a:t>
             </a:r>
           </a:p>
           <a:p>
@@ -8417,7 +8401,7 @@
                 <a:latin typeface="Montserrat" panose="00000500000000000000" pitchFamily="2" charset="0"/>
                 <a:cs typeface="Times New Roman" panose="02020603050405020304" charset="0"/>
               </a:rPr>
-              <a:t>6.0</a:t>
+              <a:t>10.0</a:t>
             </a:r>
           </a:p>
         </p:txBody>
@@ -8662,7 +8646,7 @@
                 <a:latin typeface="Montserrat" panose="00000500000000000000" pitchFamily="2" charset="0"/>
                 <a:cs typeface="Times New Roman" panose="02020603050405020304" charset="0"/>
               </a:rPr>
-              <a:t>2</a:t>
+              <a:t>3</a:t>
             </a:r>
           </a:p>
           <a:p>
@@ -8678,7 +8662,7 @@
                 <a:latin typeface="Montserrat" panose="00000500000000000000" pitchFamily="2" charset="0"/>
                 <a:cs typeface="Times New Roman" panose="02020603050405020304" charset="0"/>
               </a:rPr>
-              <a:t>4</a:t>
+              <a:t>5</a:t>
             </a:r>
           </a:p>
           <a:p>

--- a/grafy.pptx
+++ b/grafy.pptx
@@ -226,7 +226,7 @@
           <a:p>
             <a:fld id="{0F9B84EA-7D68-4D60-9CB1-D50884785D1C}" type="datetimeFigureOut">
               <a:rPr lang="en-US" smtClean="0"/>
-              <a:t>5/26/2023</a:t>
+              <a:t>5/27/2023</a:t>
             </a:fld>
             <a:endParaRPr lang="en-US"/>
           </a:p>
@@ -391,7 +391,7 @@
           <a:p>
             <a:fld id="{D6C8D182-E4C8-4120-9249-FC9774456FFA}" type="datetimeFigureOut">
               <a:rPr lang="en-US" smtClean="0"/>
-              <a:t>5/26/2023</a:t>
+              <a:t>5/27/2023</a:t>
             </a:fld>
             <a:endParaRPr lang="en-US"/>
           </a:p>
@@ -782,7 +782,7 @@
           <a:p>
             <a:fld id="{760FBDFE-C587-4B4C-A407-44438C67B59E}" type="datetimeFigureOut">
               <a:rPr lang="en-US" smtClean="0"/>
-              <a:t>5/26/2023</a:t>
+              <a:t>5/27/2023</a:t>
             </a:fld>
             <a:endParaRPr lang="en-US"/>
           </a:p>
@@ -948,7 +948,7 @@
           <a:p>
             <a:fld id="{760FBDFE-C587-4B4C-A407-44438C67B59E}" type="datetimeFigureOut">
               <a:rPr lang="en-US" smtClean="0"/>
-              <a:t>5/26/2023</a:t>
+              <a:t>5/27/2023</a:t>
             </a:fld>
             <a:endParaRPr lang="en-US"/>
           </a:p>
@@ -1264,7 +1264,7 @@
           <a:p>
             <a:fld id="{760FBDFE-C587-4B4C-A407-44438C67B59E}" type="datetimeFigureOut">
               <a:rPr lang="en-US" smtClean="0"/>
-              <a:t>5/26/2023</a:t>
+              <a:t>5/27/2023</a:t>
             </a:fld>
             <a:endParaRPr lang="en-US"/>
           </a:p>
@@ -1512,7 +1512,7 @@
           <a:p>
             <a:fld id="{760FBDFE-C587-4B4C-A407-44438C67B59E}" type="datetimeFigureOut">
               <a:rPr lang="en-US" smtClean="0"/>
-              <a:t>5/26/2023</a:t>
+              <a:t>5/27/2023</a:t>
             </a:fld>
             <a:endParaRPr lang="en-US"/>
           </a:p>
@@ -1913,7 +1913,7 @@
           <a:p>
             <a:fld id="{760FBDFE-C587-4B4C-A407-44438C67B59E}" type="datetimeFigureOut">
               <a:rPr lang="en-US" smtClean="0"/>
-              <a:t>5/26/2023</a:t>
+              <a:t>5/27/2023</a:t>
             </a:fld>
             <a:endParaRPr lang="en-US"/>
           </a:p>
@@ -2288,7 +2288,7 @@
           <a:p>
             <a:fld id="{760FBDFE-C587-4B4C-A407-44438C67B59E}" type="datetimeFigureOut">
               <a:rPr lang="en-US" smtClean="0"/>
-              <a:t>5/26/2023</a:t>
+              <a:t>5/27/2023</a:t>
             </a:fld>
             <a:endParaRPr lang="en-US"/>
           </a:p>
@@ -2415,7 +2415,7 @@
           <a:p>
             <a:fld id="{760FBDFE-C587-4B4C-A407-44438C67B59E}" type="datetimeFigureOut">
               <a:rPr lang="en-US" smtClean="0"/>
-              <a:t>5/26/2023</a:t>
+              <a:t>5/27/2023</a:t>
             </a:fld>
             <a:endParaRPr lang="en-US"/>
           </a:p>
@@ -2505,7 +2505,7 @@
           <a:p>
             <a:fld id="{760FBDFE-C587-4B4C-A407-44438C67B59E}" type="datetimeFigureOut">
               <a:rPr lang="en-US" smtClean="0"/>
-              <a:t>5/26/2023</a:t>
+              <a:t>5/27/2023</a:t>
             </a:fld>
             <a:endParaRPr lang="en-US"/>
           </a:p>
@@ -2763,7 +2763,7 @@
           <a:p>
             <a:fld id="{9EFD9D74-47D9-4702-A33C-335B63B48DBF}" type="datetimeFigureOut">
               <a:rPr lang="en-US" smtClean="0"/>
-              <a:t>5/26/2023</a:t>
+              <a:t>5/27/2023</a:t>
             </a:fld>
             <a:endParaRPr lang="en-US" dirty="0"/>
           </a:p>
@@ -2942,7 +2942,7 @@
           <a:p>
             <a:fld id="{760FBDFE-C587-4B4C-A407-44438C67B59E}" type="datetimeFigureOut">
               <a:rPr lang="en-US" smtClean="0"/>
-              <a:t>5/26/2023</a:t>
+              <a:t>5/27/2023</a:t>
             </a:fld>
             <a:endParaRPr lang="en-US"/>
           </a:p>
@@ -3168,7 +3168,7 @@
           <a:p>
             <a:fld id="{760FBDFE-C587-4B4C-A407-44438C67B59E}" type="datetimeFigureOut">
               <a:rPr lang="en-US" smtClean="0"/>
-              <a:t>5/26/2023</a:t>
+              <a:t>5/27/2023</a:t>
             </a:fld>
             <a:endParaRPr lang="en-US" dirty="0"/>
           </a:p>
@@ -7545,7 +7545,7 @@
                 <a:latin typeface="Montserrat" panose="00000500000000000000" pitchFamily="2" charset="0"/>
                 <a:cs typeface="Times New Roman" panose="02020603050405020304" charset="0"/>
               </a:rPr>
-              <a:t> 0</a:t>
+              <a:t> 1</a:t>
             </a:r>
           </a:p>
           <a:p>
@@ -7561,7 +7561,7 @@
                 <a:latin typeface="Montserrat" panose="00000500000000000000" pitchFamily="2" charset="0"/>
                 <a:cs typeface="Times New Roman" panose="02020603050405020304" charset="0"/>
               </a:rPr>
-              <a:t> 10</a:t>
+              <a:t> 9</a:t>
             </a:r>
           </a:p>
           <a:p>
@@ -7832,7 +7832,7 @@
                 <a:latin typeface="Montserrat" panose="00000500000000000000" pitchFamily="2" charset="0"/>
                 <a:cs typeface="Times New Roman" panose="02020603050405020304" charset="0"/>
               </a:rPr>
-              <a:t>3</a:t>
+              <a:t>2</a:t>
             </a:r>
           </a:p>
           <a:p>

--- a/grafy.pptx
+++ b/grafy.pptx
@@ -4493,7 +4493,7 @@
                 <a:latin typeface="Montserrat" panose="00000500000000000000" pitchFamily="2" charset="0"/>
                 <a:cs typeface="Times New Roman" panose="02020603050405020304" charset="0"/>
               </a:rPr>
-              <a:t>-0.2526671216693897</a:t>
+              <a:t>-0.29399378998399794</a:t>
             </a:r>
           </a:p>
         </p:txBody>
@@ -4977,41 +4977,52 @@
               <a:t>Диаметр: </a:t>
             </a:r>
             <a:r>
+              <a:rPr lang="en-US" altLang="en-US" sz="1500" dirty="0">
+                <a:latin typeface="Montserrat" panose="00000500000000000000" pitchFamily="2" charset="0"/>
+                <a:cs typeface="Times New Roman" panose="02020603050405020304" charset="0"/>
+              </a:rPr>
+              <a:t>7</a:t>
+            </a:r>
+            <a:endParaRPr lang="ru-RU" altLang="en-US" sz="1500" dirty="0">
+              <a:latin typeface="Montserrat" panose="00000500000000000000" pitchFamily="2" charset="0"/>
+              <a:cs typeface="Times New Roman" panose="02020603050405020304" charset="0"/>
+            </a:endParaRPr>
+          </a:p>
+          <a:p>
+            <a:r>
+              <a:rPr lang="ru-RU" altLang="en-US" sz="1500" b="1" dirty="0">
+                <a:latin typeface="Montserrat" panose="00000500000000000000" pitchFamily="2" charset="0"/>
+                <a:cs typeface="Times New Roman" panose="02020603050405020304" charset="0"/>
+              </a:rPr>
+              <a:t>90 </a:t>
+            </a:r>
+            <a:r>
+              <a:rPr lang="ru-RU" altLang="en-US" sz="1500" b="1" dirty="0" err="1">
+                <a:latin typeface="Montserrat" panose="00000500000000000000" pitchFamily="2" charset="0"/>
+                <a:cs typeface="Times New Roman" panose="02020603050405020304" charset="0"/>
+              </a:rPr>
+              <a:t>процентиль</a:t>
+            </a:r>
+            <a:r>
+              <a:rPr lang="ru-RU" altLang="en-US" sz="1500" b="1" dirty="0">
+                <a:latin typeface="Montserrat" panose="00000500000000000000" pitchFamily="2" charset="0"/>
+                <a:cs typeface="Times New Roman" panose="02020603050405020304" charset="0"/>
+              </a:rPr>
+              <a:t>: </a:t>
+            </a:r>
+            <a:r>
+              <a:rPr lang="en-US" altLang="en-US" sz="1500" dirty="0">
+                <a:latin typeface="Montserrat" panose="00000500000000000000" pitchFamily="2" charset="0"/>
+                <a:cs typeface="Times New Roman" panose="02020603050405020304" charset="0"/>
+              </a:rPr>
+              <a:t>5</a:t>
+            </a:r>
+            <a:r>
               <a:rPr lang="ru-RU" altLang="en-US" sz="1500" dirty="0">
                 <a:latin typeface="Montserrat" panose="00000500000000000000" pitchFamily="2" charset="0"/>
                 <a:cs typeface="Times New Roman" panose="02020603050405020304" charset="0"/>
               </a:rPr>
-              <a:t>5</a:t>
-            </a:r>
-          </a:p>
-          <a:p>
-            <a:r>
-              <a:rPr lang="ru-RU" altLang="en-US" sz="1500" b="1" dirty="0">
-                <a:latin typeface="Montserrat" panose="00000500000000000000" pitchFamily="2" charset="0"/>
-                <a:cs typeface="Times New Roman" panose="02020603050405020304" charset="0"/>
-              </a:rPr>
-              <a:t>90 </a:t>
-            </a:r>
-            <a:r>
-              <a:rPr lang="ru-RU" altLang="en-US" sz="1500" b="1" dirty="0" err="1">
-                <a:latin typeface="Montserrat" panose="00000500000000000000" pitchFamily="2" charset="0"/>
-                <a:cs typeface="Times New Roman" panose="02020603050405020304" charset="0"/>
-              </a:rPr>
-              <a:t>процентиль</a:t>
-            </a:r>
-            <a:r>
-              <a:rPr lang="ru-RU" altLang="en-US" sz="1500" b="1" dirty="0">
-                <a:latin typeface="Montserrat" panose="00000500000000000000" pitchFamily="2" charset="0"/>
-                <a:cs typeface="Times New Roman" panose="02020603050405020304" charset="0"/>
-              </a:rPr>
-              <a:t>: </a:t>
-            </a:r>
-            <a:r>
-              <a:rPr lang="ru-RU" altLang="en-US" sz="1500" dirty="0">
-                <a:latin typeface="Montserrat" panose="00000500000000000000" pitchFamily="2" charset="0"/>
-                <a:cs typeface="Times New Roman" panose="02020603050405020304" charset="0"/>
-              </a:rPr>
-              <a:t>4.0</a:t>
+              <a:t>.0</a:t>
             </a:r>
           </a:p>
         </p:txBody>
@@ -7561,8 +7572,19 @@
                 <a:latin typeface="Montserrat" panose="00000500000000000000" pitchFamily="2" charset="0"/>
                 <a:cs typeface="Times New Roman" panose="02020603050405020304" charset="0"/>
               </a:rPr>
-              <a:t> 9</a:t>
-            </a:r>
+              <a:t> </a:t>
+            </a:r>
+            <a:r>
+              <a:rPr lang="en-US" altLang="en-US" sz="1500" dirty="0">
+                <a:latin typeface="Montserrat" panose="00000500000000000000" pitchFamily="2" charset="0"/>
+                <a:cs typeface="Times New Roman" panose="02020603050405020304" charset="0"/>
+              </a:rPr>
+              <a:t>10</a:t>
+            </a:r>
+            <a:endParaRPr lang="ru-RU" altLang="en-US" sz="1500" dirty="0">
+              <a:latin typeface="Montserrat" panose="00000500000000000000" pitchFamily="2" charset="0"/>
+              <a:cs typeface="Times New Roman" panose="02020603050405020304" charset="0"/>
+            </a:endParaRPr>
           </a:p>
           <a:p>
             <a:r>
@@ -7848,8 +7870,19 @@
                 <a:latin typeface="Montserrat" panose="00000500000000000000" pitchFamily="2" charset="0"/>
                 <a:cs typeface="Times New Roman" panose="02020603050405020304" charset="0"/>
               </a:rPr>
-              <a:t> 5</a:t>
-            </a:r>
+              <a:t> </a:t>
+            </a:r>
+            <a:r>
+              <a:rPr lang="en-US" altLang="en-US" sz="1500" dirty="0">
+                <a:latin typeface="Montserrat" panose="00000500000000000000" pitchFamily="2" charset="0"/>
+                <a:cs typeface="Times New Roman" panose="02020603050405020304" charset="0"/>
+              </a:rPr>
+              <a:t>5</a:t>
+            </a:r>
+            <a:endParaRPr lang="ru-RU" altLang="en-US" sz="1500" dirty="0">
+              <a:latin typeface="Montserrat" panose="00000500000000000000" pitchFamily="2" charset="0"/>
+              <a:cs typeface="Times New Roman" panose="02020603050405020304" charset="0"/>
+            </a:endParaRPr>
           </a:p>
           <a:p>
             <a:r>
@@ -7920,7 +7953,7 @@
                 <a:latin typeface="Montserrat" panose="00000500000000000000" pitchFamily="2" charset="0"/>
                 <a:cs typeface="Times New Roman" panose="02020603050405020304" charset="0"/>
               </a:rPr>
-              <a:t>-0.0745973731529848</a:t>
+              <a:t>-0.16851576112150404</a:t>
             </a:r>
           </a:p>
         </p:txBody>
@@ -8218,8 +8251,8 @@
         </p:nvSpPr>
         <p:spPr>
           <a:xfrm>
-            <a:off x="230819" y="1825625"/>
-            <a:ext cx="6178859" cy="4351338"/>
+            <a:off x="230820" y="1825625"/>
+            <a:ext cx="5779364" cy="4351338"/>
           </a:xfrm>
         </p:spPr>
         <p:txBody>
@@ -8371,7 +8404,7 @@
                 <a:latin typeface="Montserrat" panose="00000500000000000000" pitchFamily="2" charset="0"/>
                 <a:cs typeface="Times New Roman" panose="02020603050405020304" charset="0"/>
               </a:rPr>
-              <a:t>15</a:t>
+              <a:t>12</a:t>
             </a:r>
           </a:p>
           <a:p>
@@ -8401,7 +8434,7 @@
                 <a:latin typeface="Montserrat" panose="00000500000000000000" pitchFamily="2" charset="0"/>
                 <a:cs typeface="Times New Roman" panose="02020603050405020304" charset="0"/>
               </a:rPr>
-              <a:t>10.0</a:t>
+              <a:t>5.0</a:t>
             </a:r>
           </a:p>
         </p:txBody>
@@ -8734,7 +8767,7 @@
                 <a:latin typeface="Montserrat" panose="00000500000000000000" pitchFamily="2" charset="0"/>
                 <a:cs typeface="Times New Roman" panose="02020603050405020304" charset="0"/>
               </a:rPr>
-              <a:t>-0.11319750991886758</a:t>
+              <a:t>-0.16483359451314525</a:t>
             </a:r>
           </a:p>
         </p:txBody>

--- a/grafy.pptx
+++ b/grafy.pptx
@@ -6721,61 +6721,8 @@
               <a:t>.</a:t>
             </a:r>
           </a:p>
-          <a:p>
-            <a:pPr marL="457200" indent="-457200">
-              <a:buFont typeface="Arial" panose="020B0604020202020204" pitchFamily="34" charset="0"/>
-              <a:buChar char="•"/>
-            </a:pPr>
-            <a:r>
-              <a:rPr lang="ru-RU" altLang="ru-RU" dirty="0"/>
-              <a:t>Коэффициент Пирсона получали по формуле:</a:t>
-            </a:r>
-          </a:p>
-          <a:p>
-            <a:pPr marL="457200" indent="-457200">
-              <a:buFont typeface="Arial" panose="020B0604020202020204" pitchFamily="34" charset="0"/>
-              <a:buChar char="•"/>
-            </a:pPr>
-            <a:endParaRPr lang="ru-RU" altLang="ru-RU" dirty="0"/>
-          </a:p>
-        </p:txBody>
-      </p:sp>
-      <p:pic>
-        <p:nvPicPr>
-          <p:cNvPr id="5" name="Рисунок 4">
-            <a:extLst>
-              <a:ext uri="{FF2B5EF4-FFF2-40B4-BE49-F238E27FC236}">
-                <a16:creationId xmlns:a16="http://schemas.microsoft.com/office/drawing/2014/main" id="{C189C2BB-2FCD-B8E3-90B2-050FA9FD6EEF}"/>
-              </a:ext>
-            </a:extLst>
-          </p:cNvPr>
-          <p:cNvPicPr>
-            <a:picLocks noChangeAspect="1"/>
-          </p:cNvPicPr>
-          <p:nvPr/>
-        </p:nvPicPr>
-        <p:blipFill>
-          <a:blip r:embed="rId2">
-            <a:extLst>
-              <a:ext uri="{28A0092B-C50C-407E-A947-70E740481C1C}">
-                <a14:useLocalDpi xmlns:a14="http://schemas.microsoft.com/office/drawing/2010/main" val="0"/>
-              </a:ext>
-            </a:extLst>
-          </a:blip>
-          <a:stretch>
-            <a:fillRect/>
-          </a:stretch>
-        </p:blipFill>
-        <p:spPr>
-          <a:xfrm>
-            <a:off x="2961304" y="4932680"/>
-            <a:ext cx="5381625" cy="1485900"/>
-          </a:xfrm>
-          <a:prstGeom prst="rect">
-            <a:avLst/>
-          </a:prstGeom>
-        </p:spPr>
-      </p:pic>
+        </p:txBody>
+      </p:sp>
     </p:spTree>
     <p:extLst>
       <p:ext uri="{BB962C8B-B14F-4D97-AF65-F5344CB8AC3E}">

--- a/grafy.pptx
+++ b/grafy.pptx
@@ -7086,7 +7086,7 @@
               <a:rPr lang="ru-RU" altLang="ru-RU" sz="2400" dirty="0">
                 <a:latin typeface="Montserrat" panose="00000500000000000000" pitchFamily="2" charset="0"/>
               </a:rPr>
-              <a:t>Здесь также повторяли первый пункт, но брали потом такие пары вершин, между которыми было больше одно ребра. Это объясняется двумя фактами: </a:t>
+              <a:t>Здесь также повторяли первый пункт, но брали потом такие пары вершин, между которыми было больше одного ребра. Это объясняется двумя фактами: </a:t>
             </a:r>
           </a:p>
           <a:p>
@@ -7246,7 +7246,7 @@
               <a:rPr lang="ru-RU" altLang="ru-RU" sz="2400" dirty="0">
                 <a:latin typeface="Montserrat" panose="00000500000000000000" pitchFamily="2" charset="0"/>
               </a:rPr>
-              <a:t>Далее мы получали список смежности из таких пар вершин, у которых больше одно ребра.</a:t>
+              <a:t>Далее мы получали список смежности из таких пар вершин, у которых больше одного ребра.</a:t>
             </a:r>
           </a:p>
           <a:p>
@@ -7276,12 +7276,12 @@
               <a:buChar char="•"/>
             </a:pPr>
             <a:r>
-              <a:rPr lang="ru-RU" altLang="ru-RU" sz="2400">
+              <a:rPr lang="ru-RU" altLang="ru-RU" sz="2400" dirty="0">
                 <a:latin typeface="Montserrat" panose="00000500000000000000" pitchFamily="2" charset="0"/>
               </a:rPr>
               <a:t>И далее ограничивали количество таких ребер 10000</a:t>
             </a:r>
-            <a:endParaRPr lang="ru-RU" altLang="ru-RU" sz="2400"/>
+            <a:endParaRPr lang="ru-RU" altLang="ru-RU" sz="2400" dirty="0"/>
           </a:p>
           <a:p>
             <a:endParaRPr lang="ru-RU" altLang="ru-RU" sz="2400" dirty="0">
